--- a/Skype IM Pretty Printer.pptx
+++ b/Skype IM Pretty Printer.pptx
@@ -13,7 +13,7 @@
     <p:sldId id="261" r:id="rId7"/>
     <p:sldId id="262" r:id="rId8"/>
   </p:sldIdLst>
-  <p:sldSz cx="9144000" cy="6858000" type="screen4x3"/>
+  <p:sldSz cx="9144000" cy="5715000" type="screen16x10"/>
   <p:notesSz cx="6858000" cy="9144000"/>
   <p:defaultTextStyle>
     <a:defPPr>
@@ -142,8 +142,8 @@
         </p:nvSpPr>
         <p:spPr>
           <a:xfrm>
-            <a:off x="685800" y="2130425"/>
-            <a:ext cx="7772400" cy="1470025"/>
+            <a:off x="685800" y="1775355"/>
+            <a:ext cx="7772400" cy="1225021"/>
           </a:xfrm>
         </p:spPr>
         <p:txBody>
@@ -170,8 +170,8 @@
         </p:nvSpPr>
         <p:spPr>
           <a:xfrm>
-            <a:off x="1371600" y="3886200"/>
-            <a:ext cx="6400800" cy="1752600"/>
+            <a:off x="1371600" y="3238500"/>
+            <a:ext cx="6400800" cy="1460500"/>
           </a:xfrm>
         </p:spPr>
         <p:txBody>
@@ -294,6 +294,7 @@
           <a:p>
             <a:fld id="{E8425065-F187-48D3-BBB2-5F0BB7366DA1}" type="datetimeFigureOut">
               <a:rPr lang="en-US" smtClean="0"/>
+              <a:pPr/>
               <a:t>10/8/2012</a:t>
             </a:fld>
             <a:endParaRPr lang="en-US"/>
@@ -336,6 +337,7 @@
           <a:p>
             <a:fld id="{DC7E208B-0F36-4A6E-9D32-DC6DC36B1640}" type="slidenum">
               <a:rPr lang="en-US" smtClean="0"/>
+              <a:pPr/>
               <a:t>‹#›</a:t>
             </a:fld>
             <a:endParaRPr lang="en-US"/>
@@ -459,6 +461,7 @@
           <a:p>
             <a:fld id="{E8425065-F187-48D3-BBB2-5F0BB7366DA1}" type="datetimeFigureOut">
               <a:rPr lang="en-US" smtClean="0"/>
+              <a:pPr/>
               <a:t>10/8/2012</a:t>
             </a:fld>
             <a:endParaRPr lang="en-US"/>
@@ -501,6 +504,7 @@
           <a:p>
             <a:fld id="{DC7E208B-0F36-4A6E-9D32-DC6DC36B1640}" type="slidenum">
               <a:rPr lang="en-US" smtClean="0"/>
+              <a:pPr/>
               <a:t>‹#›</a:t>
             </a:fld>
             <a:endParaRPr lang="en-US"/>
@@ -544,8 +548,8 @@
         </p:nvSpPr>
         <p:spPr>
           <a:xfrm>
-            <a:off x="6629400" y="274638"/>
-            <a:ext cx="2057400" cy="5851525"/>
+            <a:off x="6629400" y="228865"/>
+            <a:ext cx="2057400" cy="4876271"/>
           </a:xfrm>
         </p:spPr>
         <p:txBody>
@@ -572,8 +576,8 @@
         </p:nvSpPr>
         <p:spPr>
           <a:xfrm>
-            <a:off x="457200" y="274638"/>
-            <a:ext cx="6019800" cy="5851525"/>
+            <a:off x="457200" y="228865"/>
+            <a:ext cx="6019800" cy="4876271"/>
           </a:xfrm>
         </p:spPr>
         <p:txBody>
@@ -634,6 +638,7 @@
           <a:p>
             <a:fld id="{E8425065-F187-48D3-BBB2-5F0BB7366DA1}" type="datetimeFigureOut">
               <a:rPr lang="en-US" smtClean="0"/>
+              <a:pPr/>
               <a:t>10/8/2012</a:t>
             </a:fld>
             <a:endParaRPr lang="en-US"/>
@@ -676,6 +681,7 @@
           <a:p>
             <a:fld id="{DC7E208B-0F36-4A6E-9D32-DC6DC36B1640}" type="slidenum">
               <a:rPr lang="en-US" smtClean="0"/>
+              <a:pPr/>
               <a:t>‹#›</a:t>
             </a:fld>
             <a:endParaRPr lang="en-US"/>
@@ -799,6 +805,7 @@
           <a:p>
             <a:fld id="{E8425065-F187-48D3-BBB2-5F0BB7366DA1}" type="datetimeFigureOut">
               <a:rPr lang="en-US" smtClean="0"/>
+              <a:pPr/>
               <a:t>10/8/2012</a:t>
             </a:fld>
             <a:endParaRPr lang="en-US"/>
@@ -841,6 +848,7 @@
           <a:p>
             <a:fld id="{DC7E208B-0F36-4A6E-9D32-DC6DC36B1640}" type="slidenum">
               <a:rPr lang="en-US" smtClean="0"/>
+              <a:pPr/>
               <a:t>‹#›</a:t>
             </a:fld>
             <a:endParaRPr lang="en-US"/>
@@ -884,8 +892,8 @@
         </p:nvSpPr>
         <p:spPr>
           <a:xfrm>
-            <a:off x="722313" y="4406900"/>
-            <a:ext cx="7772400" cy="1362075"/>
+            <a:off x="722313" y="3672417"/>
+            <a:ext cx="7772400" cy="1135063"/>
           </a:xfrm>
         </p:spPr>
         <p:txBody>
@@ -916,8 +924,8 @@
         </p:nvSpPr>
         <p:spPr>
           <a:xfrm>
-            <a:off x="722313" y="2906713"/>
-            <a:ext cx="7772400" cy="1500187"/>
+            <a:off x="722313" y="2422261"/>
+            <a:ext cx="7772400" cy="1250156"/>
           </a:xfrm>
         </p:spPr>
         <p:txBody>
@@ -1040,6 +1048,7 @@
           <a:p>
             <a:fld id="{E8425065-F187-48D3-BBB2-5F0BB7366DA1}" type="datetimeFigureOut">
               <a:rPr lang="en-US" smtClean="0"/>
+              <a:pPr/>
               <a:t>10/8/2012</a:t>
             </a:fld>
             <a:endParaRPr lang="en-US"/>
@@ -1082,6 +1091,7 @@
           <a:p>
             <a:fld id="{DC7E208B-0F36-4A6E-9D32-DC6DC36B1640}" type="slidenum">
               <a:rPr lang="en-US" smtClean="0"/>
+              <a:pPr/>
               <a:t>‹#›</a:t>
             </a:fld>
             <a:endParaRPr lang="en-US"/>
@@ -1148,8 +1158,8 @@
         </p:nvSpPr>
         <p:spPr>
           <a:xfrm>
-            <a:off x="457200" y="1600200"/>
-            <a:ext cx="4038600" cy="4525963"/>
+            <a:off x="457200" y="1333500"/>
+            <a:ext cx="4038600" cy="3771636"/>
           </a:xfrm>
         </p:spPr>
         <p:txBody>
@@ -1233,8 +1243,8 @@
         </p:nvSpPr>
         <p:spPr>
           <a:xfrm>
-            <a:off x="4648200" y="1600200"/>
-            <a:ext cx="4038600" cy="4525963"/>
+            <a:off x="4648200" y="1333500"/>
+            <a:ext cx="4038600" cy="3771636"/>
           </a:xfrm>
         </p:spPr>
         <p:txBody>
@@ -1323,6 +1333,7 @@
           <a:p>
             <a:fld id="{E8425065-F187-48D3-BBB2-5F0BB7366DA1}" type="datetimeFigureOut">
               <a:rPr lang="en-US" smtClean="0"/>
+              <a:pPr/>
               <a:t>10/8/2012</a:t>
             </a:fld>
             <a:endParaRPr lang="en-US"/>
@@ -1365,6 +1376,7 @@
           <a:p>
             <a:fld id="{DC7E208B-0F36-4A6E-9D32-DC6DC36B1640}" type="slidenum">
               <a:rPr lang="en-US" smtClean="0"/>
+              <a:pPr/>
               <a:t>‹#›</a:t>
             </a:fld>
             <a:endParaRPr lang="en-US"/>
@@ -1435,8 +1447,8 @@
         </p:nvSpPr>
         <p:spPr>
           <a:xfrm>
-            <a:off x="457200" y="1535113"/>
-            <a:ext cx="4040188" cy="639762"/>
+            <a:off x="457200" y="1279261"/>
+            <a:ext cx="4040188" cy="533135"/>
           </a:xfrm>
         </p:spPr>
         <p:txBody>
@@ -1500,8 +1512,8 @@
         </p:nvSpPr>
         <p:spPr>
           <a:xfrm>
-            <a:off x="457200" y="2174875"/>
-            <a:ext cx="4040188" cy="3951288"/>
+            <a:off x="457200" y="1812396"/>
+            <a:ext cx="4040188" cy="3292740"/>
           </a:xfrm>
         </p:spPr>
         <p:txBody>
@@ -1585,8 +1597,8 @@
         </p:nvSpPr>
         <p:spPr>
           <a:xfrm>
-            <a:off x="4645025" y="1535113"/>
-            <a:ext cx="4041775" cy="639762"/>
+            <a:off x="4645026" y="1279261"/>
+            <a:ext cx="4041775" cy="533135"/>
           </a:xfrm>
         </p:spPr>
         <p:txBody>
@@ -1650,8 +1662,8 @@
         </p:nvSpPr>
         <p:spPr>
           <a:xfrm>
-            <a:off x="4645025" y="2174875"/>
-            <a:ext cx="4041775" cy="3951288"/>
+            <a:off x="4645026" y="1812396"/>
+            <a:ext cx="4041775" cy="3292740"/>
           </a:xfrm>
         </p:spPr>
         <p:txBody>
@@ -1740,6 +1752,7 @@
           <a:p>
             <a:fld id="{E8425065-F187-48D3-BBB2-5F0BB7366DA1}" type="datetimeFigureOut">
               <a:rPr lang="en-US" smtClean="0"/>
+              <a:pPr/>
               <a:t>10/8/2012</a:t>
             </a:fld>
             <a:endParaRPr lang="en-US"/>
@@ -1782,6 +1795,7 @@
           <a:p>
             <a:fld id="{DC7E208B-0F36-4A6E-9D32-DC6DC36B1640}" type="slidenum">
               <a:rPr lang="en-US" smtClean="0"/>
+              <a:pPr/>
               <a:t>‹#›</a:t>
             </a:fld>
             <a:endParaRPr lang="en-US"/>
@@ -1853,6 +1867,7 @@
           <a:p>
             <a:fld id="{E8425065-F187-48D3-BBB2-5F0BB7366DA1}" type="datetimeFigureOut">
               <a:rPr lang="en-US" smtClean="0"/>
+              <a:pPr/>
               <a:t>10/8/2012</a:t>
             </a:fld>
             <a:endParaRPr lang="en-US"/>
@@ -1895,6 +1910,7 @@
           <a:p>
             <a:fld id="{DC7E208B-0F36-4A6E-9D32-DC6DC36B1640}" type="slidenum">
               <a:rPr lang="en-US" smtClean="0"/>
+              <a:pPr/>
               <a:t>‹#›</a:t>
             </a:fld>
             <a:endParaRPr lang="en-US"/>
@@ -1943,6 +1959,7 @@
           <a:p>
             <a:fld id="{E8425065-F187-48D3-BBB2-5F0BB7366DA1}" type="datetimeFigureOut">
               <a:rPr lang="en-US" smtClean="0"/>
+              <a:pPr/>
               <a:t>10/8/2012</a:t>
             </a:fld>
             <a:endParaRPr lang="en-US"/>
@@ -1985,6 +2002,7 @@
           <a:p>
             <a:fld id="{DC7E208B-0F36-4A6E-9D32-DC6DC36B1640}" type="slidenum">
               <a:rPr lang="en-US" smtClean="0"/>
+              <a:pPr/>
               <a:t>‹#›</a:t>
             </a:fld>
             <a:endParaRPr lang="en-US"/>
@@ -2028,8 +2046,8 @@
         </p:nvSpPr>
         <p:spPr>
           <a:xfrm>
-            <a:off x="457200" y="273050"/>
-            <a:ext cx="3008313" cy="1162050"/>
+            <a:off x="457201" y="227542"/>
+            <a:ext cx="3008313" cy="968375"/>
           </a:xfrm>
         </p:spPr>
         <p:txBody>
@@ -2060,8 +2078,8 @@
         </p:nvSpPr>
         <p:spPr>
           <a:xfrm>
-            <a:off x="3575050" y="273050"/>
-            <a:ext cx="5111750" cy="5853113"/>
+            <a:off x="3575050" y="227542"/>
+            <a:ext cx="5111750" cy="4877594"/>
           </a:xfrm>
         </p:spPr>
         <p:txBody>
@@ -2145,8 +2163,8 @@
         </p:nvSpPr>
         <p:spPr>
           <a:xfrm>
-            <a:off x="457200" y="1435100"/>
-            <a:ext cx="3008313" cy="4691063"/>
+            <a:off x="457201" y="1195917"/>
+            <a:ext cx="3008313" cy="3909219"/>
           </a:xfrm>
         </p:spPr>
         <p:txBody>
@@ -2215,6 +2233,7 @@
           <a:p>
             <a:fld id="{E8425065-F187-48D3-BBB2-5F0BB7366DA1}" type="datetimeFigureOut">
               <a:rPr lang="en-US" smtClean="0"/>
+              <a:pPr/>
               <a:t>10/8/2012</a:t>
             </a:fld>
             <a:endParaRPr lang="en-US"/>
@@ -2257,6 +2276,7 @@
           <a:p>
             <a:fld id="{DC7E208B-0F36-4A6E-9D32-DC6DC36B1640}" type="slidenum">
               <a:rPr lang="en-US" smtClean="0"/>
+              <a:pPr/>
               <a:t>‹#›</a:t>
             </a:fld>
             <a:endParaRPr lang="en-US"/>
@@ -2300,8 +2320,8 @@
         </p:nvSpPr>
         <p:spPr>
           <a:xfrm>
-            <a:off x="1792288" y="4800600"/>
-            <a:ext cx="5486400" cy="566738"/>
+            <a:off x="1792288" y="4000500"/>
+            <a:ext cx="5486400" cy="472282"/>
           </a:xfrm>
         </p:spPr>
         <p:txBody>
@@ -2332,8 +2352,8 @@
         </p:nvSpPr>
         <p:spPr>
           <a:xfrm>
-            <a:off x="1792288" y="612775"/>
-            <a:ext cx="5486400" cy="4114800"/>
+            <a:off x="1792288" y="510646"/>
+            <a:ext cx="5486400" cy="3429000"/>
           </a:xfrm>
         </p:spPr>
         <p:txBody>
@@ -2393,8 +2413,8 @@
         </p:nvSpPr>
         <p:spPr>
           <a:xfrm>
-            <a:off x="1792288" y="5367338"/>
-            <a:ext cx="5486400" cy="804862"/>
+            <a:off x="1792288" y="4472782"/>
+            <a:ext cx="5486400" cy="670718"/>
           </a:xfrm>
         </p:spPr>
         <p:txBody>
@@ -2463,6 +2483,7 @@
           <a:p>
             <a:fld id="{E8425065-F187-48D3-BBB2-5F0BB7366DA1}" type="datetimeFigureOut">
               <a:rPr lang="en-US" smtClean="0"/>
+              <a:pPr/>
               <a:t>10/8/2012</a:t>
             </a:fld>
             <a:endParaRPr lang="en-US"/>
@@ -2505,6 +2526,7 @@
           <a:p>
             <a:fld id="{DC7E208B-0F36-4A6E-9D32-DC6DC36B1640}" type="slidenum">
               <a:rPr lang="en-US" smtClean="0"/>
+              <a:pPr/>
               <a:t>‹#›</a:t>
             </a:fld>
             <a:endParaRPr lang="en-US"/>
@@ -2553,8 +2575,8 @@
         </p:nvSpPr>
         <p:spPr>
           <a:xfrm>
-            <a:off x="457200" y="274638"/>
-            <a:ext cx="8229600" cy="1143000"/>
+            <a:off x="457200" y="228865"/>
+            <a:ext cx="8229600" cy="952500"/>
           </a:xfrm>
           <a:prstGeom prst="rect">
             <a:avLst/>
@@ -2586,8 +2608,8 @@
         </p:nvSpPr>
         <p:spPr>
           <a:xfrm>
-            <a:off x="457200" y="1600200"/>
-            <a:ext cx="8229600" cy="4525963"/>
+            <a:off x="457200" y="1333500"/>
+            <a:ext cx="8229600" cy="3771636"/>
           </a:xfrm>
           <a:prstGeom prst="rect">
             <a:avLst/>
@@ -2648,8 +2670,8 @@
         </p:nvSpPr>
         <p:spPr>
           <a:xfrm>
-            <a:off x="457200" y="6356350"/>
-            <a:ext cx="2133600" cy="365125"/>
+            <a:off x="457200" y="5296959"/>
+            <a:ext cx="2133600" cy="304271"/>
           </a:xfrm>
           <a:prstGeom prst="rect">
             <a:avLst/>
@@ -2671,6 +2693,7 @@
           <a:p>
             <a:fld id="{E8425065-F187-48D3-BBB2-5F0BB7366DA1}" type="datetimeFigureOut">
               <a:rPr lang="en-US" smtClean="0"/>
+              <a:pPr/>
               <a:t>10/8/2012</a:t>
             </a:fld>
             <a:endParaRPr lang="en-US"/>
@@ -2689,8 +2712,8 @@
         </p:nvSpPr>
         <p:spPr>
           <a:xfrm>
-            <a:off x="3124200" y="6356350"/>
-            <a:ext cx="2895600" cy="365125"/>
+            <a:off x="3124200" y="5296959"/>
+            <a:ext cx="2895600" cy="304271"/>
           </a:xfrm>
           <a:prstGeom prst="rect">
             <a:avLst/>
@@ -2726,8 +2749,8 @@
         </p:nvSpPr>
         <p:spPr>
           <a:xfrm>
-            <a:off x="6553200" y="6356350"/>
-            <a:ext cx="2133600" cy="365125"/>
+            <a:off x="6553200" y="5296959"/>
+            <a:ext cx="2133600" cy="304271"/>
           </a:xfrm>
           <a:prstGeom prst="rect">
             <a:avLst/>
@@ -2749,6 +2772,7 @@
           <a:p>
             <a:fld id="{DC7E208B-0F36-4A6E-9D32-DC6DC36B1640}" type="slidenum">
               <a:rPr lang="en-US" smtClean="0"/>
+              <a:pPr/>
               <a:t>‹#›</a:t>
             </a:fld>
             <a:endParaRPr lang="en-US"/>
@@ -3163,35 +3187,97 @@
         </p:nvSpPr>
         <p:spPr/>
         <p:txBody>
-          <a:bodyPr/>
-          <a:lstStyle/>
-          <a:p>
+          <a:bodyPr>
+            <a:normAutofit/>
+          </a:bodyPr>
+          <a:lstStyle/>
+          <a:p>
+            <a:endParaRPr lang="en-US" dirty="0" smtClean="0"/>
+          </a:p>
+          <a:p>
+            <a:pPr>
+              <a:buNone/>
+            </a:pPr>
             <a:r>
               <a:rPr lang="en-US" dirty="0" smtClean="0"/>
-              <a:t>Sometimes I need to email an excerpt from a Skype IM chat	to a third-party</a:t>
-            </a:r>
-          </a:p>
-          <a:p>
-            <a:endParaRPr lang="en-US" dirty="0" smtClean="0"/>
-          </a:p>
-          <a:p>
+              <a:t> </a:t>
+            </a:r>
             <a:r>
               <a:rPr lang="en-US" dirty="0" smtClean="0"/>
-              <a:t>I would select, copy and paste that excerpt</a:t>
-            </a:r>
-          </a:p>
-          <a:p>
-            <a:endParaRPr lang="en-US" dirty="0"/>
-          </a:p>
-          <a:p>
-            <a:r>
-              <a:rPr lang="en-US" dirty="0" smtClean="0"/>
-              <a:t>However, the result is hard to read so I have to format it manually</a:t>
-            </a:r>
-            <a:endParaRPr lang="en-US" dirty="0"/>
-          </a:p>
-        </p:txBody>
-      </p:sp>
+              <a:t>                                     </a:t>
+            </a:r>
+            <a:r>
+              <a:rPr lang="en-US" sz="9600" dirty="0" smtClean="0"/>
+              <a:t>→</a:t>
+            </a:r>
+            <a:endParaRPr lang="en-US" sz="9600" dirty="0"/>
+          </a:p>
+        </p:txBody>
+      </p:sp>
+      <p:pic>
+        <p:nvPicPr>
+          <p:cNvPr id="1027" name="Picture 3"/>
+          <p:cNvPicPr>
+            <a:picLocks noChangeAspect="1" noChangeArrowheads="1"/>
+          </p:cNvPicPr>
+          <p:nvPr/>
+        </p:nvPicPr>
+        <p:blipFill>
+          <a:blip r:embed="rId2" cstate="print"/>
+          <a:srcRect/>
+          <a:stretch>
+            <a:fillRect/>
+          </a:stretch>
+        </p:blipFill>
+        <p:spPr bwMode="auto">
+          <a:xfrm>
+            <a:off x="1295400" y="1790700"/>
+            <a:ext cx="2247900" cy="2305050"/>
+          </a:xfrm>
+          <a:prstGeom prst="rect">
+            <a:avLst/>
+          </a:prstGeom>
+          <a:noFill/>
+          <a:ln w="9525">
+            <a:noFill/>
+            <a:miter lim="800000"/>
+            <a:headEnd/>
+            <a:tailEnd/>
+          </a:ln>
+        </p:spPr>
+      </p:pic>
+      <p:pic>
+        <p:nvPicPr>
+          <p:cNvPr id="1028" name="Picture 4"/>
+          <p:cNvPicPr>
+            <a:picLocks noChangeAspect="1" noChangeArrowheads="1"/>
+          </p:cNvPicPr>
+          <p:nvPr/>
+        </p:nvPicPr>
+        <p:blipFill>
+          <a:blip r:embed="rId3" cstate="print"/>
+          <a:srcRect/>
+          <a:stretch>
+            <a:fillRect/>
+          </a:stretch>
+        </p:blipFill>
+        <p:spPr bwMode="auto">
+          <a:xfrm>
+            <a:off x="5867400" y="1943100"/>
+            <a:ext cx="2057400" cy="1943100"/>
+          </a:xfrm>
+          <a:prstGeom prst="rect">
+            <a:avLst/>
+          </a:prstGeom>
+          <a:noFill/>
+          <a:ln w="9525">
+            <a:noFill/>
+            <a:miter lim="800000"/>
+            <a:headEnd/>
+            <a:tailEnd/>
+          </a:ln>
+        </p:spPr>
+      </p:pic>
     </p:spTree>
   </p:cSld>
   <p:clrMapOvr>
@@ -3259,23 +3345,19 @@
         </p:nvSpPr>
         <p:spPr>
           <a:xfrm>
-            <a:off x="457200" y="1600200"/>
-            <a:ext cx="3581400" cy="4525963"/>
+            <a:off x="457200" y="1333500"/>
+            <a:ext cx="3810000" cy="3771636"/>
           </a:xfrm>
         </p:spPr>
         <p:txBody>
           <a:bodyPr>
-            <a:normAutofit/>
+            <a:normAutofit fontScale="92500" lnSpcReduction="10000"/>
           </a:bodyPr>
           <a:lstStyle/>
           <a:p>
             <a:r>
               <a:rPr lang="en-US" dirty="0" smtClean="0"/>
-              <a:t>Clearly seen p</a:t>
-            </a:r>
-            <a:r>
-              <a:rPr lang="en-US" dirty="0" smtClean="0"/>
-              <a:t>articipant names</a:t>
+              <a:t>Clearly seen participant names</a:t>
             </a:r>
           </a:p>
           <a:p>
@@ -3322,8 +3404,8 @@
         </p:blipFill>
         <p:spPr bwMode="auto">
           <a:xfrm>
-            <a:off x="4114800" y="1676400"/>
-            <a:ext cx="4472559" cy="4259580"/>
+            <a:off x="4495800" y="1363980"/>
+            <a:ext cx="4128516" cy="3931920"/>
           </a:xfrm>
           <a:prstGeom prst="rect">
             <a:avLst/>
@@ -3388,7 +3470,11 @@
           <a:p>
             <a:r>
               <a:rPr lang="en-US" dirty="0" smtClean="0"/>
-              <a:t>…turns into a character soup</a:t>
+              <a:t>…becomes character </a:t>
+            </a:r>
+            <a:r>
+              <a:rPr lang="en-US" dirty="0" smtClean="0"/>
+              <a:t>soup</a:t>
             </a:r>
             <a:endParaRPr lang="en-US" dirty="0"/>
           </a:p>
@@ -3406,13 +3492,13 @@
         </p:nvSpPr>
         <p:spPr>
           <a:xfrm>
-            <a:off x="457200" y="1600200"/>
-            <a:ext cx="3429000" cy="4724400"/>
+            <a:off x="457200" y="1333500"/>
+            <a:ext cx="4114800" cy="3937000"/>
           </a:xfrm>
         </p:spPr>
         <p:txBody>
           <a:bodyPr>
-            <a:normAutofit lnSpcReduction="10000"/>
+            <a:normAutofit fontScale="92500" lnSpcReduction="10000"/>
           </a:bodyPr>
           <a:lstStyle/>
           <a:p>
@@ -3436,8 +3522,17 @@
           <a:p>
             <a:r>
               <a:rPr lang="en-US" dirty="0" smtClean="0"/>
-              <a:t>Authors hard to identify</a:t>
-            </a:r>
+              <a:t>Hard </a:t>
+            </a:r>
+            <a:r>
+              <a:rPr lang="en-US" dirty="0" smtClean="0"/>
+              <a:t>to identify </a:t>
+            </a:r>
+            <a:r>
+              <a:rPr lang="en-US" dirty="0" smtClean="0"/>
+              <a:t>author</a:t>
+            </a:r>
+            <a:endParaRPr lang="en-US" dirty="0" smtClean="0"/>
           </a:p>
           <a:p>
             <a:r>
@@ -3464,8 +3559,8 @@
         </p:blipFill>
         <p:spPr bwMode="auto">
           <a:xfrm>
-            <a:off x="3962400" y="1670304"/>
-            <a:ext cx="4640961" cy="4120896"/>
+            <a:off x="4876800" y="1333500"/>
+            <a:ext cx="3855568" cy="3423514"/>
           </a:xfrm>
           <a:prstGeom prst="rect">
             <a:avLst/>
@@ -3547,7 +3642,7 @@
         <p:spPr/>
         <p:txBody>
           <a:bodyPr>
-            <a:normAutofit fontScale="92500"/>
+            <a:normAutofit fontScale="92500" lnSpcReduction="20000"/>
           </a:bodyPr>
           <a:lstStyle/>
           <a:p>
@@ -3600,8 +3695,8 @@
         </p:blipFill>
         <p:spPr bwMode="auto">
           <a:xfrm>
-            <a:off x="1600200" y="3352800"/>
-            <a:ext cx="5934075" cy="1476375"/>
+            <a:off x="2286000" y="2895600"/>
+            <a:ext cx="4747260" cy="1181100"/>
           </a:xfrm>
           <a:prstGeom prst="rect">
             <a:avLst/>
@@ -3620,6 +3715,13 @@
   <p:clrMapOvr>
     <a:masterClrMapping/>
   </p:clrMapOvr>
+  <p:timing>
+    <p:tnLst>
+      <p:par>
+        <p:cTn id="1" dur="indefinite" restart="never" nodeType="tmRoot"/>
+      </p:par>
+    </p:tnLst>
+  </p:timing>
 </p:sld>
 </file>
 
@@ -3675,13 +3777,13 @@
         </p:nvSpPr>
         <p:spPr>
           <a:xfrm>
-            <a:off x="457200" y="1600200"/>
-            <a:ext cx="3657600" cy="4525963"/>
+            <a:off x="457200" y="1333500"/>
+            <a:ext cx="4114800" cy="3771636"/>
           </a:xfrm>
         </p:spPr>
         <p:txBody>
           <a:bodyPr>
-            <a:normAutofit/>
+            <a:normAutofit fontScale="92500"/>
           </a:bodyPr>
           <a:lstStyle/>
           <a:p>
@@ -3722,8 +3824,8 @@
         </p:blipFill>
         <p:spPr bwMode="auto">
           <a:xfrm>
-            <a:off x="4198239" y="1656588"/>
-            <a:ext cx="4640961" cy="3982212"/>
+            <a:off x="4876800" y="1380491"/>
+            <a:ext cx="3855568" cy="3308299"/>
           </a:xfrm>
           <a:prstGeom prst="rect">
             <a:avLst/>
@@ -3806,12 +3908,24 @@
         </p:nvSpPr>
         <p:spPr/>
         <p:txBody>
-          <a:bodyPr/>
+          <a:bodyPr>
+            <a:normAutofit lnSpcReduction="10000"/>
+          </a:bodyPr>
           <a:lstStyle/>
           <a:p>
             <a:r>
               <a:rPr lang="en-US" dirty="0" smtClean="0"/>
-              <a:t>Recognize links</a:t>
+              <a:t>Handle corner cases (e.g. same first names)</a:t>
+            </a:r>
+          </a:p>
+          <a:p>
+            <a:r>
+              <a:rPr lang="en-US" dirty="0" smtClean="0"/>
+              <a:t>Recognize </a:t>
+            </a:r>
+            <a:r>
+              <a:rPr lang="en-US" dirty="0" smtClean="0"/>
+              <a:t>links</a:t>
             </a:r>
           </a:p>
           <a:p>
@@ -3829,7 +3943,23 @@
           <a:p>
             <a:r>
               <a:rPr lang="en-US" dirty="0" smtClean="0"/>
-              <a:t>Formatting templates</a:t>
+              <a:t>Formatting </a:t>
+            </a:r>
+            <a:r>
+              <a:rPr lang="en-US" dirty="0" smtClean="0"/>
+              <a:t>templates</a:t>
+            </a:r>
+          </a:p>
+          <a:p>
+            <a:r>
+              <a:rPr lang="en-US" dirty="0" smtClean="0"/>
+              <a:t>Documentation</a:t>
+            </a:r>
+          </a:p>
+          <a:p>
+            <a:r>
+              <a:rPr lang="en-US" dirty="0" smtClean="0"/>
+              <a:t>Web page (@50%)</a:t>
             </a:r>
             <a:endParaRPr lang="en-US" dirty="0"/>
           </a:p>
@@ -3840,6 +3970,13 @@
   <p:clrMapOvr>
     <a:masterClrMapping/>
   </p:clrMapOvr>
+  <p:timing>
+    <p:tnLst>
+      <p:par>
+        <p:cTn id="1" dur="indefinite" restart="never" nodeType="tmRoot"/>
+      </p:par>
+    </p:tnLst>
+  </p:timing>
 </p:sld>
 </file>
 
